--- a/Relational Database Management Checkpoint.pptx
+++ b/Relational Database Management Checkpoint.pptx
@@ -111,6 +111,11 @@
       </a:defRPr>
     </a:lvl9pPr>
   </p:defaultTextStyle>
+  <p:extLst>
+    <p:ext uri="{EFAFB233-063F-42B5-8137-9DF3F51BA10A}">
+      <p15:sldGuideLst xmlns:p15="http://schemas.microsoft.com/office/powerpoint/2012/main"/>
+    </p:ext>
+  </p:extLst>
 </p:presentation>
 </file>
 
@@ -12096,17 +12101,26 @@
           <a:lstStyle/>
           <a:p>
             <a:r>
-              <a:rPr lang="fr-FR" sz="2000">
+              <a:rPr lang="fr-FR" sz="2000" dirty="0">
                 <a:hlinkClick r:id="rId2"/>
               </a:rPr>
               <a:t>https://www.geeksforgeeks.org/dbms/what-is-database/</a:t>
             </a:r>
-            <a:endParaRPr lang="fr-FR" sz="2000"/>
+            <a:endParaRPr lang="fr-FR" sz="2000" dirty="0"/>
+          </a:p>
+          <a:p>
+            <a:r>
+              <a:rPr lang="fr-FR" sz="2000" dirty="0">
+                <a:hlinkClick r:id="rId3"/>
+              </a:rPr>
+              <a:t>https://optimizdba.com/the-importance-of-databases-in-todays-digital-world/</a:t>
+            </a:r>
+            <a:endParaRPr lang="fr-FR" sz="2000" dirty="0"/>
           </a:p>
           <a:p>
             <a:r>
               <a:rPr lang="fr-FR" sz="2000"/>
-              <a:t>https://optimizdba.com/the-importance-of-databases-in-todays-digital-world/</a:t>
+              <a:t>https://whatisdatabase.com/understanding-databases-importance-and-benefits-explained</a:t>
             </a:r>
           </a:p>
         </p:txBody>
